--- a/_classes/Class17_data.pptx
+++ b/_classes/Class17_data.pptx
@@ -6,23 +6,24 @@
   </p:sldMasterIdLst>
   <p:sldIdLst>
     <p:sldId id="256" r:id="rId2"/>
-    <p:sldId id="257" r:id="rId3"/>
-    <p:sldId id="258" r:id="rId4"/>
-    <p:sldId id="260" r:id="rId5"/>
-    <p:sldId id="261" r:id="rId6"/>
-    <p:sldId id="262" r:id="rId7"/>
-    <p:sldId id="259" r:id="rId8"/>
-    <p:sldId id="263" r:id="rId9"/>
-    <p:sldId id="264" r:id="rId10"/>
-    <p:sldId id="265" r:id="rId11"/>
-    <p:sldId id="266" r:id="rId12"/>
-    <p:sldId id="267" r:id="rId13"/>
-    <p:sldId id="268" r:id="rId14"/>
-    <p:sldId id="269" r:id="rId15"/>
-    <p:sldId id="270" r:id="rId16"/>
-    <p:sldId id="271" r:id="rId17"/>
-    <p:sldId id="272" r:id="rId18"/>
-    <p:sldId id="273" r:id="rId19"/>
+    <p:sldId id="274" r:id="rId3"/>
+    <p:sldId id="257" r:id="rId4"/>
+    <p:sldId id="258" r:id="rId5"/>
+    <p:sldId id="260" r:id="rId6"/>
+    <p:sldId id="261" r:id="rId7"/>
+    <p:sldId id="262" r:id="rId8"/>
+    <p:sldId id="259" r:id="rId9"/>
+    <p:sldId id="263" r:id="rId10"/>
+    <p:sldId id="264" r:id="rId11"/>
+    <p:sldId id="265" r:id="rId12"/>
+    <p:sldId id="266" r:id="rId13"/>
+    <p:sldId id="267" r:id="rId14"/>
+    <p:sldId id="268" r:id="rId15"/>
+    <p:sldId id="269" r:id="rId16"/>
+    <p:sldId id="270" r:id="rId17"/>
+    <p:sldId id="271" r:id="rId18"/>
+    <p:sldId id="272" r:id="rId19"/>
+    <p:sldId id="273" r:id="rId20"/>
   </p:sldIdLst>
   <p:sldSz cx="9144000" cy="6858000" type="screen4x3"/>
   <p:notesSz cx="6858000" cy="9144000"/>
@@ -5076,12 +5077,14 @@
         </p:nvSpPr>
         <p:spPr/>
         <p:txBody>
-          <a:bodyPr/>
-          <a:lstStyle/>
-          <a:p>
-            <a:r>
-              <a:rPr lang="en-US" dirty="0" smtClean="0"/>
-              <a:t>Correlation  != Causation</a:t>
+          <a:bodyPr>
+            <a:normAutofit fontScale="90000"/>
+          </a:bodyPr>
+          <a:lstStyle/>
+          <a:p>
+            <a:r>
+              <a:rPr lang="en-US" dirty="0" smtClean="0"/>
+              <a:t>Accuracy, Honesty and Integrity in Data! 	</a:t>
             </a:r>
             <a:endParaRPr lang="en-US" dirty="0"/>
           </a:p>
@@ -5104,7 +5107,7 @@
           <a:p>
             <a:r>
               <a:rPr lang="en-US" dirty="0" smtClean="0"/>
-              <a:t>Less Americans die in years when astronauts visited the moon than in the years since we canceled manned flight to the moon. Due to the  higher number of deaths, NASA should reinstate moon missions.</a:t>
+              <a:t>Carful! Remember, people lie and they use numbers. Here are some things to keep in mind.</a:t>
             </a:r>
             <a:endParaRPr lang="en-US" dirty="0"/>
           </a:p>
@@ -5113,7 +5116,7 @@
     </p:spTree>
     <p:extLst>
       <p:ext uri="{BB962C8B-B14F-4D97-AF65-F5344CB8AC3E}">
-        <p14:creationId xmlns:p14="http://schemas.microsoft.com/office/powerpoint/2010/main" val="1918455280"/>
+        <p14:creationId xmlns:p14="http://schemas.microsoft.com/office/powerpoint/2010/main" val="3217518207"/>
       </p:ext>
     </p:extLst>
   </p:cSld>
@@ -5179,16 +5182,17 @@
           <a:lstStyle/>
           <a:p>
             <a:r>
-              <a:rPr lang="en-US" dirty="0"/>
-              <a:t>The introduction of sex education courses at the high school level has resulted in increased promiscuity among teens. A recent study revealed that the number of reported cases of STDs (sexually transmitted diseases) was significantly higher for high schools that offered courses in sex education than for high schools that did not.</a:t>
-            </a:r>
+              <a:rPr lang="en-US" dirty="0" smtClean="0"/>
+              <a:t>Less Americans die in years when astronauts visited the moon than in the years since we canceled manned flight to the moon. Due to the  higher number of deaths, NASA should reinstate moon missions.</a:t>
+            </a:r>
+            <a:endParaRPr lang="en-US" dirty="0"/>
           </a:p>
         </p:txBody>
       </p:sp>
     </p:spTree>
     <p:extLst>
       <p:ext uri="{BB962C8B-B14F-4D97-AF65-F5344CB8AC3E}">
-        <p14:creationId xmlns:p14="http://schemas.microsoft.com/office/powerpoint/2010/main" val="1982013841"/>
+        <p14:creationId xmlns:p14="http://schemas.microsoft.com/office/powerpoint/2010/main" val="1918455280"/>
       </p:ext>
     </p:extLst>
   </p:cSld>
@@ -5232,7 +5236,7 @@
           <a:p>
             <a:r>
               <a:rPr lang="en-US" dirty="0" smtClean="0"/>
-              <a:t>Sample Size</a:t>
+              <a:t>Correlation  != Causation</a:t>
             </a:r>
             <a:endParaRPr lang="en-US" dirty="0"/>
           </a:p>
@@ -5254,82 +5258,16 @@
           <a:lstStyle/>
           <a:p>
             <a:r>
-              <a:rPr lang="en-US" dirty="0" smtClean="0"/>
-              <a:t>                                    BA	OB	SP	OBSP</a:t>
-            </a:r>
-          </a:p>
-          <a:p>
-            <a:r>
               <a:rPr lang="en-US" dirty="0"/>
-              <a:t>Brian </a:t>
-            </a:r>
-            <a:r>
-              <a:rPr lang="en-US" dirty="0" err="1"/>
-              <a:t>LaHair</a:t>
-            </a:r>
-            <a:r>
-              <a:rPr lang="en-US" dirty="0"/>
-              <a:t> </a:t>
-            </a:r>
-            <a:r>
-              <a:rPr lang="en-US" dirty="0" smtClean="0"/>
-              <a:t>	.</a:t>
-            </a:r>
-            <a:r>
-              <a:rPr lang="en-US" dirty="0"/>
-              <a:t>333	.400	.667	1.067	</a:t>
-            </a:r>
-            <a:endParaRPr lang="en-US" dirty="0" smtClean="0"/>
-          </a:p>
-          <a:p>
-            <a:endParaRPr lang="en-US" dirty="0"/>
-          </a:p>
-          <a:p>
-            <a:r>
-              <a:rPr lang="en-US" dirty="0" smtClean="0"/>
-              <a:t>Ted Williams 	.</a:t>
-            </a:r>
-            <a:r>
-              <a:rPr lang="en-US" dirty="0"/>
-              <a:t>344	.482	.634	</a:t>
-            </a:r>
-            <a:r>
-              <a:rPr lang="en-US" dirty="0" smtClean="0"/>
-              <a:t>1.116</a:t>
-            </a:r>
-          </a:p>
-          <a:p>
-            <a:endParaRPr lang="en-US" dirty="0"/>
-          </a:p>
-          <a:p>
-            <a:r>
-              <a:rPr lang="en-US" dirty="0" smtClean="0"/>
-              <a:t>baseball-</a:t>
-            </a:r>
-            <a:r>
-              <a:rPr lang="en-US" dirty="0" err="1" smtClean="0"/>
-              <a:t>refrence.com</a:t>
-            </a:r>
-            <a:r>
-              <a:rPr lang="en-US" dirty="0" smtClean="0"/>
-              <a:t> (BL: 9 AB on LHS vs. TW 162 </a:t>
-            </a:r>
-            <a:r>
-              <a:rPr lang="en-US" dirty="0" err="1" smtClean="0"/>
-              <a:t>ave</a:t>
-            </a:r>
-            <a:r>
-              <a:rPr lang="en-US" dirty="0" smtClean="0"/>
-              <a:t>)</a:t>
-            </a:r>
-            <a:endParaRPr lang="en-US" dirty="0"/>
+              <a:t>The introduction of sex education courses at the high school level has resulted in increased promiscuity among teens. A recent study revealed that the number of reported cases of STDs (sexually transmitted diseases) was significantly higher for high schools that offered courses in sex education than for high schools that did not.</a:t>
+            </a:r>
           </a:p>
         </p:txBody>
       </p:sp>
     </p:spTree>
     <p:extLst>
       <p:ext uri="{BB962C8B-B14F-4D97-AF65-F5344CB8AC3E}">
-        <p14:creationId xmlns:p14="http://schemas.microsoft.com/office/powerpoint/2010/main" val="3775713390"/>
+        <p14:creationId xmlns:p14="http://schemas.microsoft.com/office/powerpoint/2010/main" val="1982013841"/>
       </p:ext>
     </p:extLst>
   </p:cSld>
@@ -5373,6 +5311,147 @@
           <a:p>
             <a:r>
               <a:rPr lang="en-US" dirty="0" smtClean="0"/>
+              <a:t>Sample Size</a:t>
+            </a:r>
+            <a:endParaRPr lang="en-US" dirty="0"/>
+          </a:p>
+        </p:txBody>
+      </p:sp>
+      <p:sp>
+        <p:nvSpPr>
+          <p:cNvPr id="3" name="Content Placeholder 2"/>
+          <p:cNvSpPr>
+            <a:spLocks noGrp="1"/>
+          </p:cNvSpPr>
+          <p:nvPr>
+            <p:ph idx="1"/>
+          </p:nvPr>
+        </p:nvSpPr>
+        <p:spPr/>
+        <p:txBody>
+          <a:bodyPr/>
+          <a:lstStyle/>
+          <a:p>
+            <a:r>
+              <a:rPr lang="en-US" dirty="0" smtClean="0"/>
+              <a:t>                                    BA	OB	SP	OBSP</a:t>
+            </a:r>
+          </a:p>
+          <a:p>
+            <a:r>
+              <a:rPr lang="en-US" dirty="0"/>
+              <a:t>Brian </a:t>
+            </a:r>
+            <a:r>
+              <a:rPr lang="en-US" dirty="0" err="1"/>
+              <a:t>LaHair</a:t>
+            </a:r>
+            <a:r>
+              <a:rPr lang="en-US" dirty="0"/>
+              <a:t> </a:t>
+            </a:r>
+            <a:r>
+              <a:rPr lang="en-US" dirty="0" smtClean="0"/>
+              <a:t>	.</a:t>
+            </a:r>
+            <a:r>
+              <a:rPr lang="en-US" dirty="0"/>
+              <a:t>333	.400	.667	1.067	</a:t>
+            </a:r>
+            <a:endParaRPr lang="en-US" dirty="0" smtClean="0"/>
+          </a:p>
+          <a:p>
+            <a:endParaRPr lang="en-US" dirty="0"/>
+          </a:p>
+          <a:p>
+            <a:r>
+              <a:rPr lang="en-US" dirty="0" smtClean="0"/>
+              <a:t>Ted Williams 	.</a:t>
+            </a:r>
+            <a:r>
+              <a:rPr lang="en-US" dirty="0"/>
+              <a:t>344	.482	.634	</a:t>
+            </a:r>
+            <a:r>
+              <a:rPr lang="en-US" dirty="0" smtClean="0"/>
+              <a:t>1.116</a:t>
+            </a:r>
+          </a:p>
+          <a:p>
+            <a:endParaRPr lang="en-US" dirty="0"/>
+          </a:p>
+          <a:p>
+            <a:r>
+              <a:rPr lang="en-US" dirty="0" smtClean="0"/>
+              <a:t>baseball-</a:t>
+            </a:r>
+            <a:r>
+              <a:rPr lang="en-US" dirty="0" err="1" smtClean="0"/>
+              <a:t>refrence.com</a:t>
+            </a:r>
+            <a:r>
+              <a:rPr lang="en-US" dirty="0" smtClean="0"/>
+              <a:t> (BL: 9 AB on LHS vs. TW 162 </a:t>
+            </a:r>
+            <a:r>
+              <a:rPr lang="en-US" dirty="0" err="1" smtClean="0"/>
+              <a:t>ave</a:t>
+            </a:r>
+            <a:r>
+              <a:rPr lang="en-US" dirty="0" smtClean="0"/>
+              <a:t>)</a:t>
+            </a:r>
+            <a:endParaRPr lang="en-US" dirty="0"/>
+          </a:p>
+        </p:txBody>
+      </p:sp>
+    </p:spTree>
+    <p:extLst>
+      <p:ext uri="{BB962C8B-B14F-4D97-AF65-F5344CB8AC3E}">
+        <p14:creationId xmlns:p14="http://schemas.microsoft.com/office/powerpoint/2010/main" val="3775713390"/>
+      </p:ext>
+    </p:extLst>
+  </p:cSld>
+  <p:clrMapOvr>
+    <a:masterClrMapping/>
+  </p:clrMapOvr>
+</p:sld>
+</file>
+
+<file path=ppt/slides/slide14.xml><?xml version="1.0" encoding="utf-8"?>
+<p:sld xmlns:a="http://schemas.openxmlformats.org/drawingml/2006/main" xmlns:r="http://schemas.openxmlformats.org/officeDocument/2006/relationships" xmlns:p="http://schemas.openxmlformats.org/presentationml/2006/main">
+  <p:cSld>
+    <p:spTree>
+      <p:nvGrpSpPr>
+        <p:cNvPr id="1" name=""/>
+        <p:cNvGrpSpPr/>
+        <p:nvPr/>
+      </p:nvGrpSpPr>
+      <p:grpSpPr>
+        <a:xfrm>
+          <a:off x="0" y="0"/>
+          <a:ext cx="0" cy="0"/>
+          <a:chOff x="0" y="0"/>
+          <a:chExt cx="0" cy="0"/>
+        </a:xfrm>
+      </p:grpSpPr>
+      <p:sp>
+        <p:nvSpPr>
+          <p:cNvPr id="2" name="Title 1"/>
+          <p:cNvSpPr>
+            <a:spLocks noGrp="1"/>
+          </p:cNvSpPr>
+          <p:nvPr>
+            <p:ph type="title"/>
+          </p:nvPr>
+        </p:nvSpPr>
+        <p:spPr/>
+        <p:txBody>
+          <a:bodyPr/>
+          <a:lstStyle/>
+          <a:p>
+            <a:r>
+              <a:rPr lang="en-US" dirty="0" smtClean="0"/>
               <a:t>Careful of Selection Bias</a:t>
             </a:r>
             <a:endParaRPr lang="en-US" dirty="0"/>
@@ -5427,7 +5506,7 @@
 </p:sld>
 </file>
 
-<file path=ppt/slides/slide14.xml><?xml version="1.0" encoding="utf-8"?>
+<file path=ppt/slides/slide15.xml><?xml version="1.0" encoding="utf-8"?>
 <p:sld xmlns:a="http://schemas.openxmlformats.org/drawingml/2006/main" xmlns:r="http://schemas.openxmlformats.org/officeDocument/2006/relationships" xmlns:p="http://schemas.openxmlformats.org/presentationml/2006/main">
   <p:cSld>
     <p:spTree>
@@ -5529,7 +5608,7 @@
 </p:sld>
 </file>
 
-<file path=ppt/slides/slide15.xml><?xml version="1.0" encoding="utf-8"?>
+<file path=ppt/slides/slide16.xml><?xml version="1.0" encoding="utf-8"?>
 <p:sld xmlns:a="http://schemas.openxmlformats.org/drawingml/2006/main" xmlns:r="http://schemas.openxmlformats.org/officeDocument/2006/relationships" xmlns:p="http://schemas.openxmlformats.org/presentationml/2006/main">
   <p:cSld>
     <p:spTree>
@@ -5608,93 +5687,6 @@
 </p:sld>
 </file>
 
-<file path=ppt/slides/slide16.xml><?xml version="1.0" encoding="utf-8"?>
-<p:sld xmlns:a="http://schemas.openxmlformats.org/drawingml/2006/main" xmlns:r="http://schemas.openxmlformats.org/officeDocument/2006/relationships" xmlns:p="http://schemas.openxmlformats.org/presentationml/2006/main">
-  <p:cSld>
-    <p:spTree>
-      <p:nvGrpSpPr>
-        <p:cNvPr id="1" name=""/>
-        <p:cNvGrpSpPr/>
-        <p:nvPr/>
-      </p:nvGrpSpPr>
-      <p:grpSpPr>
-        <a:xfrm>
-          <a:off x="0" y="0"/>
-          <a:ext cx="0" cy="0"/>
-          <a:chOff x="0" y="0"/>
-          <a:chExt cx="0" cy="0"/>
-        </a:xfrm>
-      </p:grpSpPr>
-      <p:sp>
-        <p:nvSpPr>
-          <p:cNvPr id="2" name="Title 1"/>
-          <p:cNvSpPr>
-            <a:spLocks noGrp="1"/>
-          </p:cNvSpPr>
-          <p:nvPr>
-            <p:ph type="title"/>
-          </p:nvPr>
-        </p:nvSpPr>
-        <p:spPr/>
-        <p:txBody>
-          <a:bodyPr/>
-          <a:lstStyle/>
-          <a:p>
-            <a:r>
-              <a:rPr lang="en-US" dirty="0" smtClean="0"/>
-              <a:t>Careful with numbers</a:t>
-            </a:r>
-            <a:endParaRPr lang="en-US" dirty="0"/>
-          </a:p>
-        </p:txBody>
-      </p:sp>
-      <p:sp>
-        <p:nvSpPr>
-          <p:cNvPr id="3" name="Content Placeholder 2"/>
-          <p:cNvSpPr>
-            <a:spLocks noGrp="1"/>
-          </p:cNvSpPr>
-          <p:nvPr>
-            <p:ph idx="1"/>
-          </p:nvPr>
-        </p:nvSpPr>
-        <p:spPr/>
-        <p:txBody>
-          <a:bodyPr/>
-          <a:lstStyle/>
-          <a:p>
-            <a:r>
-              <a:rPr lang="en-US" dirty="0" smtClean="0"/>
-              <a:t>Do percentages add up?</a:t>
-            </a:r>
-          </a:p>
-          <a:p>
-            <a:r>
-              <a:rPr lang="en-US" dirty="0" smtClean="0"/>
-              <a:t>Account for population changes over time</a:t>
-            </a:r>
-          </a:p>
-          <a:p>
-            <a:r>
-              <a:rPr lang="en-US" dirty="0" smtClean="0"/>
-              <a:t>Look at scale in numbers and on charts.</a:t>
-            </a:r>
-          </a:p>
-        </p:txBody>
-      </p:sp>
-    </p:spTree>
-    <p:extLst>
-      <p:ext uri="{BB962C8B-B14F-4D97-AF65-F5344CB8AC3E}">
-        <p14:creationId xmlns:p14="http://schemas.microsoft.com/office/powerpoint/2010/main" val="1339845358"/>
-      </p:ext>
-    </p:extLst>
-  </p:cSld>
-  <p:clrMapOvr>
-    <a:masterClrMapping/>
-  </p:clrMapOvr>
-</p:sld>
-</file>
-
 <file path=ppt/slides/slide17.xml><?xml version="1.0" encoding="utf-8"?>
 <p:sld xmlns:a="http://schemas.openxmlformats.org/drawingml/2006/main" xmlns:r="http://schemas.openxmlformats.org/officeDocument/2006/relationships" xmlns:p="http://schemas.openxmlformats.org/presentationml/2006/main">
   <p:cSld>
@@ -5729,6 +5721,93 @@
           <a:p>
             <a:r>
               <a:rPr lang="en-US" dirty="0" smtClean="0"/>
+              <a:t>Careful with numbers</a:t>
+            </a:r>
+            <a:endParaRPr lang="en-US" dirty="0"/>
+          </a:p>
+        </p:txBody>
+      </p:sp>
+      <p:sp>
+        <p:nvSpPr>
+          <p:cNvPr id="3" name="Content Placeholder 2"/>
+          <p:cNvSpPr>
+            <a:spLocks noGrp="1"/>
+          </p:cNvSpPr>
+          <p:nvPr>
+            <p:ph idx="1"/>
+          </p:nvPr>
+        </p:nvSpPr>
+        <p:spPr/>
+        <p:txBody>
+          <a:bodyPr/>
+          <a:lstStyle/>
+          <a:p>
+            <a:r>
+              <a:rPr lang="en-US" dirty="0" smtClean="0"/>
+              <a:t>Do percentages add up?</a:t>
+            </a:r>
+          </a:p>
+          <a:p>
+            <a:r>
+              <a:rPr lang="en-US" dirty="0" smtClean="0"/>
+              <a:t>Account for population changes over time</a:t>
+            </a:r>
+          </a:p>
+          <a:p>
+            <a:r>
+              <a:rPr lang="en-US" dirty="0" smtClean="0"/>
+              <a:t>Look at scale in numbers and on charts.</a:t>
+            </a:r>
+          </a:p>
+        </p:txBody>
+      </p:sp>
+    </p:spTree>
+    <p:extLst>
+      <p:ext uri="{BB962C8B-B14F-4D97-AF65-F5344CB8AC3E}">
+        <p14:creationId xmlns:p14="http://schemas.microsoft.com/office/powerpoint/2010/main" val="1339845358"/>
+      </p:ext>
+    </p:extLst>
+  </p:cSld>
+  <p:clrMapOvr>
+    <a:masterClrMapping/>
+  </p:clrMapOvr>
+</p:sld>
+</file>
+
+<file path=ppt/slides/slide18.xml><?xml version="1.0" encoding="utf-8"?>
+<p:sld xmlns:a="http://schemas.openxmlformats.org/drawingml/2006/main" xmlns:r="http://schemas.openxmlformats.org/officeDocument/2006/relationships" xmlns:p="http://schemas.openxmlformats.org/presentationml/2006/main">
+  <p:cSld>
+    <p:spTree>
+      <p:nvGrpSpPr>
+        <p:cNvPr id="1" name=""/>
+        <p:cNvGrpSpPr/>
+        <p:nvPr/>
+      </p:nvGrpSpPr>
+      <p:grpSpPr>
+        <a:xfrm>
+          <a:off x="0" y="0"/>
+          <a:ext cx="0" cy="0"/>
+          <a:chOff x="0" y="0"/>
+          <a:chExt cx="0" cy="0"/>
+        </a:xfrm>
+      </p:grpSpPr>
+      <p:sp>
+        <p:nvSpPr>
+          <p:cNvPr id="2" name="Title 1"/>
+          <p:cNvSpPr>
+            <a:spLocks noGrp="1"/>
+          </p:cNvSpPr>
+          <p:nvPr>
+            <p:ph type="title"/>
+          </p:nvPr>
+        </p:nvSpPr>
+        <p:spPr/>
+        <p:txBody>
+          <a:bodyPr/>
+          <a:lstStyle/>
+          <a:p>
+            <a:r>
+              <a:rPr lang="en-US" dirty="0" smtClean="0"/>
               <a:t>Getting Data</a:t>
             </a:r>
             <a:endParaRPr lang="en-US" dirty="0"/>
@@ -5784,7 +5863,7 @@
 </p:sld>
 </file>
 
-<file path=ppt/slides/slide18.xml><?xml version="1.0" encoding="utf-8"?>
+<file path=ppt/slides/slide19.xml><?xml version="1.0" encoding="utf-8"?>
 <p:sld xmlns:a="http://schemas.openxmlformats.org/drawingml/2006/main" xmlns:r="http://schemas.openxmlformats.org/officeDocument/2006/relationships" xmlns:p="http://schemas.openxmlformats.org/presentationml/2006/main">
   <p:cSld>
     <p:spTree>
@@ -5909,7 +5988,7 @@
           <a:p>
             <a:r>
               <a:rPr lang="en-US" dirty="0" smtClean="0"/>
-              <a:t>Rule #1</a:t>
+              <a:t>Big Data?</a:t>
             </a:r>
             <a:endParaRPr lang="en-US" dirty="0"/>
           </a:p>
@@ -5931,14 +6010,18 @@
           <a:lstStyle/>
           <a:p>
             <a:r>
-              <a:rPr lang="en-US" dirty="0" smtClean="0"/>
-              <a:t>“Data does not lie but people do and they use data to do it.”</a:t>
-            </a:r>
-          </a:p>
-          <a:p>
-            <a:r>
-              <a:rPr lang="en-US" dirty="0" smtClean="0"/>
-              <a:t>Anyone can draw conclusion from data and make broad statements without actually understanding it.</a:t>
+              <a:rPr lang="en-US" dirty="0"/>
+              <a:t>Big data is a buzzword, or catch-phrase, used to describe a massive volume of both structured and unstructured data that is so large that it's difficult to process using traditional database and software techniques</a:t>
+            </a:r>
+            <a:r>
+              <a:rPr lang="en-US" dirty="0" smtClean="0"/>
+              <a:t>.</a:t>
+            </a:r>
+          </a:p>
+          <a:p>
+            <a:r>
+              <a:rPr lang="en-US" dirty="0" smtClean="0"/>
+              <a:t>We are working with structured data.</a:t>
             </a:r>
             <a:endParaRPr lang="en-US" dirty="0"/>
           </a:p>
@@ -5947,7 +6030,7 @@
     </p:spTree>
     <p:extLst>
       <p:ext uri="{BB962C8B-B14F-4D97-AF65-F5344CB8AC3E}">
-        <p14:creationId xmlns:p14="http://schemas.microsoft.com/office/powerpoint/2010/main" val="2844813535"/>
+        <p14:creationId xmlns:p14="http://schemas.microsoft.com/office/powerpoint/2010/main" val="1981602046"/>
       </p:ext>
     </p:extLst>
   </p:cSld>
@@ -5991,7 +6074,7 @@
           <a:p>
             <a:r>
               <a:rPr lang="en-US" dirty="0" smtClean="0"/>
-              <a:t>Rule #2</a:t>
+              <a:t>Rule #1</a:t>
             </a:r>
             <a:endParaRPr lang="en-US" dirty="0"/>
           </a:p>
@@ -6014,7 +6097,13 @@
           <a:p>
             <a:r>
               <a:rPr lang="en-US" dirty="0" smtClean="0"/>
-              <a:t>Duplicate your data and back it up in multiple places and ways.</a:t>
+              <a:t>“Data does not lie but people do and they use data to do it.”</a:t>
+            </a:r>
+          </a:p>
+          <a:p>
+            <a:r>
+              <a:rPr lang="en-US" dirty="0" smtClean="0"/>
+              <a:t>Anyone can draw conclusion from data and make broad statements without actually understanding it.</a:t>
             </a:r>
             <a:endParaRPr lang="en-US" dirty="0"/>
           </a:p>
@@ -6023,7 +6112,7 @@
     </p:spTree>
     <p:extLst>
       <p:ext uri="{BB962C8B-B14F-4D97-AF65-F5344CB8AC3E}">
-        <p14:creationId xmlns:p14="http://schemas.microsoft.com/office/powerpoint/2010/main" val="1471417333"/>
+        <p14:creationId xmlns:p14="http://schemas.microsoft.com/office/powerpoint/2010/main" val="2844813535"/>
       </p:ext>
     </p:extLst>
   </p:cSld>
@@ -6067,7 +6156,7 @@
           <a:p>
             <a:r>
               <a:rPr lang="en-US" dirty="0" smtClean="0"/>
-              <a:t>How to find stories in data</a:t>
+              <a:t>Rule #2</a:t>
             </a:r>
             <a:endParaRPr lang="en-US" dirty="0"/>
           </a:p>
@@ -6090,28 +6179,8 @@
           <a:p>
             <a:r>
               <a:rPr lang="en-US" dirty="0" smtClean="0"/>
-              <a:t>Explore</a:t>
-            </a:r>
-          </a:p>
-          <a:p>
-            <a:r>
-              <a:rPr lang="en-US" dirty="0" smtClean="0"/>
-              <a:t>Question</a:t>
-            </a:r>
-          </a:p>
-          <a:p>
-            <a:r>
-              <a:rPr lang="en-US" dirty="0" smtClean="0"/>
-              <a:t>Test</a:t>
-            </a:r>
-          </a:p>
-          <a:p>
-            <a:r>
-              <a:rPr lang="en-US" dirty="0" smtClean="0"/>
-              <a:t>Visualize</a:t>
-            </a:r>
-          </a:p>
-          <a:p>
+              <a:t>Duplicate your data and back it up in multiple places and ways.</a:t>
+            </a:r>
             <a:endParaRPr lang="en-US" dirty="0"/>
           </a:p>
         </p:txBody>
@@ -6119,7 +6188,7 @@
     </p:spTree>
     <p:extLst>
       <p:ext uri="{BB962C8B-B14F-4D97-AF65-F5344CB8AC3E}">
-        <p14:creationId xmlns:p14="http://schemas.microsoft.com/office/powerpoint/2010/main" val="807399135"/>
+        <p14:creationId xmlns:p14="http://schemas.microsoft.com/office/powerpoint/2010/main" val="1471417333"/>
       </p:ext>
     </p:extLst>
   </p:cSld>
@@ -6163,7 +6232,7 @@
           <a:p>
             <a:r>
               <a:rPr lang="en-US" dirty="0" smtClean="0"/>
-              <a:t>Explore The Date</a:t>
+              <a:t>How to find stories in data</a:t>
             </a:r>
             <a:endParaRPr lang="en-US" dirty="0"/>
           </a:p>
@@ -6186,39 +6255,28 @@
           <a:p>
             <a:r>
               <a:rPr lang="en-US" dirty="0" smtClean="0"/>
-              <a:t>Open in Excel,</a:t>
-            </a:r>
-          </a:p>
-          <a:p>
-            <a:pPr lvl="1"/>
-            <a:r>
-              <a:rPr lang="en-US" dirty="0" smtClean="0"/>
-              <a:t>Sort Columns</a:t>
-            </a:r>
-          </a:p>
-          <a:p>
-            <a:pPr lvl="1"/>
-            <a:r>
-              <a:rPr lang="en-US" dirty="0" smtClean="0"/>
-              <a:t>See how clean it is?</a:t>
-            </a:r>
-          </a:p>
-          <a:p>
-            <a:pPr lvl="1"/>
-            <a:r>
-              <a:rPr lang="en-US" dirty="0" smtClean="0"/>
-              <a:t>Make a graph or two</a:t>
-            </a:r>
-          </a:p>
-          <a:p>
-            <a:pPr lvl="1"/>
-            <a:r>
-              <a:rPr lang="en-US" dirty="0" smtClean="0"/>
-              <a:t>What stands out.</a:t>
-            </a:r>
-          </a:p>
-          <a:p>
-            <a:pPr lvl="1"/>
+              <a:t>Explore</a:t>
+            </a:r>
+          </a:p>
+          <a:p>
+            <a:r>
+              <a:rPr lang="en-US" dirty="0" smtClean="0"/>
+              <a:t>Question</a:t>
+            </a:r>
+          </a:p>
+          <a:p>
+            <a:r>
+              <a:rPr lang="en-US" dirty="0" smtClean="0"/>
+              <a:t>Test</a:t>
+            </a:r>
+          </a:p>
+          <a:p>
+            <a:r>
+              <a:rPr lang="en-US" dirty="0" smtClean="0"/>
+              <a:t>Visualize</a:t>
+            </a:r>
+          </a:p>
+          <a:p>
             <a:endParaRPr lang="en-US" dirty="0"/>
           </a:p>
         </p:txBody>
@@ -6226,7 +6284,7 @@
     </p:spTree>
     <p:extLst>
       <p:ext uri="{BB962C8B-B14F-4D97-AF65-F5344CB8AC3E}">
-        <p14:creationId xmlns:p14="http://schemas.microsoft.com/office/powerpoint/2010/main" val="2360537367"/>
+        <p14:creationId xmlns:p14="http://schemas.microsoft.com/office/powerpoint/2010/main" val="807399135"/>
       </p:ext>
     </p:extLst>
   </p:cSld>
@@ -6270,7 +6328,7 @@
           <a:p>
             <a:r>
               <a:rPr lang="en-US" dirty="0" smtClean="0"/>
-              <a:t>Oh, wait, Clean it up!</a:t>
+              <a:t>Explore The Date</a:t>
             </a:r>
             <a:endParaRPr lang="en-US" dirty="0"/>
           </a:p>
@@ -6293,39 +6351,39 @@
           <a:p>
             <a:r>
               <a:rPr lang="en-US" dirty="0" smtClean="0"/>
-              <a:t>Most of the time data is dirty, </a:t>
-            </a:r>
-            <a:r>
-              <a:rPr lang="en-US" dirty="0" err="1" smtClean="0"/>
-              <a:t>ulgy</a:t>
-            </a:r>
-            <a:r>
-              <a:rPr lang="en-US" dirty="0" smtClean="0"/>
-              <a:t> and needs work. </a:t>
-            </a:r>
-          </a:p>
-          <a:p>
-            <a:r>
-              <a:rPr lang="en-US" dirty="0" smtClean="0"/>
-              <a:t>You have to massage data.</a:t>
-            </a:r>
-          </a:p>
-          <a:p>
-            <a:r>
-              <a:rPr lang="en-US" dirty="0">
-                <a:hlinkClick r:id="rId2"/>
-              </a:rPr>
-              <a:t>https://github.com/OpenRefine/</a:t>
-            </a:r>
-            <a:r>
-              <a:rPr lang="en-US" dirty="0" smtClean="0">
-                <a:hlinkClick r:id="rId2"/>
-              </a:rPr>
-              <a:t>OpenRefine</a:t>
-            </a:r>
-            <a:endParaRPr lang="en-US" dirty="0" smtClean="0"/>
-          </a:p>
-          <a:p>
+              <a:t>Open in Excel,</a:t>
+            </a:r>
+          </a:p>
+          <a:p>
+            <a:pPr lvl="1"/>
+            <a:r>
+              <a:rPr lang="en-US" dirty="0" smtClean="0"/>
+              <a:t>Sort Columns</a:t>
+            </a:r>
+          </a:p>
+          <a:p>
+            <a:pPr lvl="1"/>
+            <a:r>
+              <a:rPr lang="en-US" dirty="0" smtClean="0"/>
+              <a:t>See how clean it is?</a:t>
+            </a:r>
+          </a:p>
+          <a:p>
+            <a:pPr lvl="1"/>
+            <a:r>
+              <a:rPr lang="en-US" dirty="0" smtClean="0"/>
+              <a:t>Make a graph or two</a:t>
+            </a:r>
+          </a:p>
+          <a:p>
+            <a:pPr lvl="1"/>
+            <a:r>
+              <a:rPr lang="en-US" dirty="0" smtClean="0"/>
+              <a:t>What stands out.</a:t>
+            </a:r>
+          </a:p>
+          <a:p>
+            <a:pPr lvl="1"/>
             <a:endParaRPr lang="en-US" dirty="0"/>
           </a:p>
         </p:txBody>
@@ -6333,7 +6391,7 @@
     </p:spTree>
     <p:extLst>
       <p:ext uri="{BB962C8B-B14F-4D97-AF65-F5344CB8AC3E}">
-        <p14:creationId xmlns:p14="http://schemas.microsoft.com/office/powerpoint/2010/main" val="735284742"/>
+        <p14:creationId xmlns:p14="http://schemas.microsoft.com/office/powerpoint/2010/main" val="2360537367"/>
       </p:ext>
     </p:extLst>
   </p:cSld>
@@ -6377,7 +6435,7 @@
           <a:p>
             <a:r>
               <a:rPr lang="en-US" dirty="0" smtClean="0"/>
-              <a:t>Use the Scientific Method</a:t>
+              <a:t>Oh, wait, Clean it up!</a:t>
             </a:r>
             <a:endParaRPr lang="en-US" dirty="0"/>
           </a:p>
@@ -6400,47 +6458,47 @@
           <a:p>
             <a:r>
               <a:rPr lang="en-US" dirty="0" smtClean="0"/>
-              <a:t>Start with a question and a hypothesis</a:t>
-            </a:r>
-          </a:p>
-          <a:p>
-            <a:r>
-              <a:rPr lang="en-US" dirty="0" smtClean="0"/>
-              <a:t>“Test” the hypothesis by querying the data and getting a very specific result. </a:t>
-            </a:r>
-          </a:p>
-          <a:p>
-            <a:r>
-              <a:rPr lang="en-US" dirty="0" smtClean="0"/>
-              <a:t>Then write a new question and test.</a:t>
-            </a:r>
-          </a:p>
-          <a:p>
-            <a:r>
-              <a:rPr lang="en-US" dirty="0" smtClean="0"/>
-              <a:t>Ask the questions everyone is asking</a:t>
-            </a:r>
-          </a:p>
-          <a:p>
-            <a:r>
-              <a:rPr lang="en-US" dirty="0" smtClean="0"/>
-              <a:t>Then Ask the tough questions everyone </a:t>
-            </a:r>
-            <a:r>
-              <a:rPr lang="en-US" smtClean="0"/>
-              <a:t>is afraid to ask</a:t>
+              <a:t>Most of the time data is dirty, </a:t>
+            </a:r>
+            <a:r>
+              <a:rPr lang="en-US" dirty="0" err="1" smtClean="0"/>
+              <a:t>ulgy</a:t>
+            </a:r>
+            <a:r>
+              <a:rPr lang="en-US" dirty="0" smtClean="0"/>
+              <a:t> and needs work. </a:t>
+            </a:r>
+          </a:p>
+          <a:p>
+            <a:r>
+              <a:rPr lang="en-US" dirty="0" smtClean="0"/>
+              <a:t>You have to massage data.</a:t>
+            </a:r>
+          </a:p>
+          <a:p>
+            <a:r>
+              <a:rPr lang="en-US" dirty="0">
+                <a:hlinkClick r:id="rId2"/>
+              </a:rPr>
+              <a:t>https://github.com/OpenRefine/</a:t>
+            </a:r>
+            <a:r>
+              <a:rPr lang="en-US" dirty="0" smtClean="0">
+                <a:hlinkClick r:id="rId2"/>
+              </a:rPr>
+              <a:t>OpenRefine</a:t>
             </a:r>
             <a:endParaRPr lang="en-US" dirty="0" smtClean="0"/>
           </a:p>
           <a:p>
-            <a:endParaRPr lang="en-US" dirty="0" smtClean="0"/>
+            <a:endParaRPr lang="en-US" dirty="0"/>
           </a:p>
         </p:txBody>
       </p:sp>
     </p:spTree>
     <p:extLst>
       <p:ext uri="{BB962C8B-B14F-4D97-AF65-F5344CB8AC3E}">
-        <p14:creationId xmlns:p14="http://schemas.microsoft.com/office/powerpoint/2010/main" val="3044546526"/>
+        <p14:creationId xmlns:p14="http://schemas.microsoft.com/office/powerpoint/2010/main" val="735284742"/>
       </p:ext>
     </p:extLst>
   </p:cSld>
@@ -6484,7 +6542,7 @@
           <a:p>
             <a:r>
               <a:rPr lang="en-US" dirty="0" smtClean="0"/>
-              <a:t>Visualize</a:t>
+              <a:t>Use the Scientific Method</a:t>
             </a:r>
             <a:endParaRPr lang="en-US" dirty="0"/>
           </a:p>
@@ -6507,18 +6565,42 @@
           <a:p>
             <a:r>
               <a:rPr lang="en-US" dirty="0" smtClean="0"/>
-              <a:t>Now you can make some charts and graphs that demonstrate your conclusions.</a:t>
-            </a:r>
-          </a:p>
-          <a:p>
-            <a:endParaRPr lang="en-US" dirty="0"/>
+              <a:t>Start with a question and a hypothesis</a:t>
+            </a:r>
+          </a:p>
+          <a:p>
+            <a:r>
+              <a:rPr lang="en-US" dirty="0" smtClean="0"/>
+              <a:t>“Test” the hypothesis by querying the data and getting a very specific result. </a:t>
+            </a:r>
+          </a:p>
+          <a:p>
+            <a:r>
+              <a:rPr lang="en-US" dirty="0" smtClean="0"/>
+              <a:t>Then write a new question and test.</a:t>
+            </a:r>
+          </a:p>
+          <a:p>
+            <a:r>
+              <a:rPr lang="en-US" dirty="0" smtClean="0"/>
+              <a:t>Ask the questions everyone is asking</a:t>
+            </a:r>
+          </a:p>
+          <a:p>
+            <a:r>
+              <a:rPr lang="en-US" dirty="0" smtClean="0"/>
+              <a:t>Then Ask the tough questions everyone is afraid to ask</a:t>
+            </a:r>
+          </a:p>
+          <a:p>
+            <a:endParaRPr lang="en-US" dirty="0" smtClean="0"/>
           </a:p>
         </p:txBody>
       </p:sp>
     </p:spTree>
     <p:extLst>
       <p:ext uri="{BB962C8B-B14F-4D97-AF65-F5344CB8AC3E}">
-        <p14:creationId xmlns:p14="http://schemas.microsoft.com/office/powerpoint/2010/main" val="1476856488"/>
+        <p14:creationId xmlns:p14="http://schemas.microsoft.com/office/powerpoint/2010/main" val="3044546526"/>
       </p:ext>
     </p:extLst>
   </p:cSld>
@@ -6557,14 +6639,12 @@
         </p:nvSpPr>
         <p:spPr/>
         <p:txBody>
-          <a:bodyPr>
-            <a:normAutofit fontScale="90000"/>
-          </a:bodyPr>
-          <a:lstStyle/>
-          <a:p>
-            <a:r>
-              <a:rPr lang="en-US" dirty="0" smtClean="0"/>
-              <a:t>Accuracy, Honesty and Integrity in Data! 	</a:t>
+          <a:bodyPr/>
+          <a:lstStyle/>
+          <a:p>
+            <a:r>
+              <a:rPr lang="en-US" dirty="0" smtClean="0"/>
+              <a:t>Visualize</a:t>
             </a:r>
             <a:endParaRPr lang="en-US" dirty="0"/>
           </a:p>
@@ -6587,8 +6667,10 @@
           <a:p>
             <a:r>
               <a:rPr lang="en-US" dirty="0" smtClean="0"/>
-              <a:t>Carful! Remember, people lie and they use numbers. Here are some things to keep in mind.</a:t>
-            </a:r>
+              <a:t>Now you can make some charts and graphs that demonstrate your conclusions.</a:t>
+            </a:r>
+          </a:p>
+          <a:p>
             <a:endParaRPr lang="en-US" dirty="0"/>
           </a:p>
         </p:txBody>
@@ -6596,7 +6678,7 @@
     </p:spTree>
     <p:extLst>
       <p:ext uri="{BB962C8B-B14F-4D97-AF65-F5344CB8AC3E}">
-        <p14:creationId xmlns:p14="http://schemas.microsoft.com/office/powerpoint/2010/main" val="3217518207"/>
+        <p14:creationId xmlns:p14="http://schemas.microsoft.com/office/powerpoint/2010/main" val="1476856488"/>
       </p:ext>
     </p:extLst>
   </p:cSld>
